--- a/ppt 16-9/0982.耶稣得胜.pptx
+++ b/ppt 16-9/0982.耶稣得胜.pptx
@@ -129,7 +129,7 @@
           <p:cNvPr id="2" name="标题 1">
             <a:extLst>
               <a:ext uri="{FF2B5EF4-FFF2-40B4-BE49-F238E27FC236}">
-                <a16:creationId xmlns:a16="http://schemas.microsoft.com/office/drawing/2014/main" id="{0EF489FB-7284-291B-4F1B-F261E1731362}"/>
+                <a16:creationId xmlns:a16="http://schemas.microsoft.com/office/drawing/2014/main" id="{6BF15CBB-7091-2A05-53A6-8AD94F73313F}"/>
               </a:ext>
             </a:extLst>
           </p:cNvPr>
@@ -166,7 +166,7 @@
           <p:cNvPr id="3" name="副标题 2">
             <a:extLst>
               <a:ext uri="{FF2B5EF4-FFF2-40B4-BE49-F238E27FC236}">
-                <a16:creationId xmlns:a16="http://schemas.microsoft.com/office/drawing/2014/main" id="{2C2832B5-C4B4-AB51-2A6F-F7D06A56D44D}"/>
+                <a16:creationId xmlns:a16="http://schemas.microsoft.com/office/drawing/2014/main" id="{CE516593-4D72-A92C-F650-581BA3B30644}"/>
               </a:ext>
             </a:extLst>
           </p:cNvPr>
@@ -236,7 +236,7 @@
           <p:cNvPr id="4" name="日期占位符 3">
             <a:extLst>
               <a:ext uri="{FF2B5EF4-FFF2-40B4-BE49-F238E27FC236}">
-                <a16:creationId xmlns:a16="http://schemas.microsoft.com/office/drawing/2014/main" id="{1094F9D4-9A13-CCE0-A094-46A8CAECAC2C}"/>
+                <a16:creationId xmlns:a16="http://schemas.microsoft.com/office/drawing/2014/main" id="{DDAD03F7-FBE2-8305-01A5-40DA87CC36F0}"/>
               </a:ext>
             </a:extLst>
           </p:cNvPr>
@@ -252,7 +252,7 @@
           <a:bodyPr/>
           <a:lstStyle/>
           <a:p>
-            <a:fld id="{0EEE28B6-B7B5-48FB-9E33-03D27B7BA896}" type="datetimeFigureOut">
+            <a:fld id="{7260D9C0-2376-4BF6-A18D-C4DF7F14316E}" type="datetimeFigureOut">
               <a:rPr lang="zh-CN" altLang="en-US" smtClean="0"/>
               <a:t>2024/3/10</a:t>
             </a:fld>
@@ -265,7 +265,7 @@
           <p:cNvPr id="5" name="页脚占位符 4">
             <a:extLst>
               <a:ext uri="{FF2B5EF4-FFF2-40B4-BE49-F238E27FC236}">
-                <a16:creationId xmlns:a16="http://schemas.microsoft.com/office/drawing/2014/main" id="{49215583-AAA9-AD2B-26D4-037CC80BD8B3}"/>
+                <a16:creationId xmlns:a16="http://schemas.microsoft.com/office/drawing/2014/main" id="{8F75F873-0321-90E6-A224-4BB21319F68E}"/>
               </a:ext>
             </a:extLst>
           </p:cNvPr>
@@ -290,7 +290,7 @@
           <p:cNvPr id="6" name="灯片编号占位符 5">
             <a:extLst>
               <a:ext uri="{FF2B5EF4-FFF2-40B4-BE49-F238E27FC236}">
-                <a16:creationId xmlns:a16="http://schemas.microsoft.com/office/drawing/2014/main" id="{0EB25FC9-5DD4-A1FC-365D-582B12112352}"/>
+                <a16:creationId xmlns:a16="http://schemas.microsoft.com/office/drawing/2014/main" id="{E0A24FCB-896E-E68C-86FF-21047FEECDBA}"/>
               </a:ext>
             </a:extLst>
           </p:cNvPr>
@@ -306,7 +306,7 @@
           <a:bodyPr/>
           <a:lstStyle/>
           <a:p>
-            <a:fld id="{BE8E56B5-A44D-48CB-AA86-593AA8317A82}" type="slidenum">
+            <a:fld id="{9295AE5A-20C3-4C55-8DD8-3B852CA4AFAE}" type="slidenum">
               <a:rPr lang="zh-CN" altLang="en-US" smtClean="0"/>
               <a:t>‹#›</a:t>
             </a:fld>
@@ -317,7 +317,7 @@
     </p:spTree>
     <p:extLst>
       <p:ext uri="{BB962C8B-B14F-4D97-AF65-F5344CB8AC3E}">
-        <p14:creationId xmlns:p14="http://schemas.microsoft.com/office/powerpoint/2010/main" val="2331071350"/>
+        <p14:creationId xmlns:p14="http://schemas.microsoft.com/office/powerpoint/2010/main" val="3077355633"/>
       </p:ext>
     </p:extLst>
   </p:cSld>
@@ -349,7 +349,7 @@
           <p:cNvPr id="2" name="标题 1">
             <a:extLst>
               <a:ext uri="{FF2B5EF4-FFF2-40B4-BE49-F238E27FC236}">
-                <a16:creationId xmlns:a16="http://schemas.microsoft.com/office/drawing/2014/main" id="{AA9E014C-8CC0-0F67-E214-3ADC8D328D64}"/>
+                <a16:creationId xmlns:a16="http://schemas.microsoft.com/office/drawing/2014/main" id="{0ED7DA1F-4110-34A6-B97B-61FF6EADAAB7}"/>
               </a:ext>
             </a:extLst>
           </p:cNvPr>
@@ -377,7 +377,7 @@
           <p:cNvPr id="3" name="竖排文字占位符 2">
             <a:extLst>
               <a:ext uri="{FF2B5EF4-FFF2-40B4-BE49-F238E27FC236}">
-                <a16:creationId xmlns:a16="http://schemas.microsoft.com/office/drawing/2014/main" id="{122B027E-EDB2-9F26-24E6-ABCF3CB24945}"/>
+                <a16:creationId xmlns:a16="http://schemas.microsoft.com/office/drawing/2014/main" id="{335CED47-09BE-E16C-130A-037BE70EBB68}"/>
               </a:ext>
             </a:extLst>
           </p:cNvPr>
@@ -434,7 +434,7 @@
           <p:cNvPr id="4" name="日期占位符 3">
             <a:extLst>
               <a:ext uri="{FF2B5EF4-FFF2-40B4-BE49-F238E27FC236}">
-                <a16:creationId xmlns:a16="http://schemas.microsoft.com/office/drawing/2014/main" id="{70DD42BB-ECDE-F2D1-6B9D-58A5F9AE38A1}"/>
+                <a16:creationId xmlns:a16="http://schemas.microsoft.com/office/drawing/2014/main" id="{A51F89F8-DA32-6C7A-A2FB-D9BEF0DAD364}"/>
               </a:ext>
             </a:extLst>
           </p:cNvPr>
@@ -450,7 +450,7 @@
           <a:bodyPr/>
           <a:lstStyle/>
           <a:p>
-            <a:fld id="{0EEE28B6-B7B5-48FB-9E33-03D27B7BA896}" type="datetimeFigureOut">
+            <a:fld id="{7260D9C0-2376-4BF6-A18D-C4DF7F14316E}" type="datetimeFigureOut">
               <a:rPr lang="zh-CN" altLang="en-US" smtClean="0"/>
               <a:t>2024/3/10</a:t>
             </a:fld>
@@ -463,7 +463,7 @@
           <p:cNvPr id="5" name="页脚占位符 4">
             <a:extLst>
               <a:ext uri="{FF2B5EF4-FFF2-40B4-BE49-F238E27FC236}">
-                <a16:creationId xmlns:a16="http://schemas.microsoft.com/office/drawing/2014/main" id="{05B867FC-C24B-CFD0-C9A8-284CC52381E2}"/>
+                <a16:creationId xmlns:a16="http://schemas.microsoft.com/office/drawing/2014/main" id="{1E312096-9EFD-8536-5F71-91BC69F1ADDB}"/>
               </a:ext>
             </a:extLst>
           </p:cNvPr>
@@ -488,7 +488,7 @@
           <p:cNvPr id="6" name="灯片编号占位符 5">
             <a:extLst>
               <a:ext uri="{FF2B5EF4-FFF2-40B4-BE49-F238E27FC236}">
-                <a16:creationId xmlns:a16="http://schemas.microsoft.com/office/drawing/2014/main" id="{300CD2A8-6514-0960-873E-D8D1A14ECB20}"/>
+                <a16:creationId xmlns:a16="http://schemas.microsoft.com/office/drawing/2014/main" id="{6C89D725-DDC5-D012-3472-89C8244C8AAD}"/>
               </a:ext>
             </a:extLst>
           </p:cNvPr>
@@ -504,7 +504,7 @@
           <a:bodyPr/>
           <a:lstStyle/>
           <a:p>
-            <a:fld id="{BE8E56B5-A44D-48CB-AA86-593AA8317A82}" type="slidenum">
+            <a:fld id="{9295AE5A-20C3-4C55-8DD8-3B852CA4AFAE}" type="slidenum">
               <a:rPr lang="zh-CN" altLang="en-US" smtClean="0"/>
               <a:t>‹#›</a:t>
             </a:fld>
@@ -515,7 +515,7 @@
     </p:spTree>
     <p:extLst>
       <p:ext uri="{BB962C8B-B14F-4D97-AF65-F5344CB8AC3E}">
-        <p14:creationId xmlns:p14="http://schemas.microsoft.com/office/powerpoint/2010/main" val="1320926851"/>
+        <p14:creationId xmlns:p14="http://schemas.microsoft.com/office/powerpoint/2010/main" val="86669133"/>
       </p:ext>
     </p:extLst>
   </p:cSld>
@@ -547,7 +547,7 @@
           <p:cNvPr id="2" name="竖排标题 1">
             <a:extLst>
               <a:ext uri="{FF2B5EF4-FFF2-40B4-BE49-F238E27FC236}">
-                <a16:creationId xmlns:a16="http://schemas.microsoft.com/office/drawing/2014/main" id="{F14F4496-E90A-1825-40B9-AF5F28D22D44}"/>
+                <a16:creationId xmlns:a16="http://schemas.microsoft.com/office/drawing/2014/main" id="{4329E485-BE1A-3AA1-2326-D4D8345E4C8D}"/>
               </a:ext>
             </a:extLst>
           </p:cNvPr>
@@ -580,7 +580,7 @@
           <p:cNvPr id="3" name="竖排文字占位符 2">
             <a:extLst>
               <a:ext uri="{FF2B5EF4-FFF2-40B4-BE49-F238E27FC236}">
-                <a16:creationId xmlns:a16="http://schemas.microsoft.com/office/drawing/2014/main" id="{9C3BC3E3-8E67-A0B8-85E6-076847784817}"/>
+                <a16:creationId xmlns:a16="http://schemas.microsoft.com/office/drawing/2014/main" id="{D52E0F54-B127-1AC9-2BC4-2AED2AB5D4D2}"/>
               </a:ext>
             </a:extLst>
           </p:cNvPr>
@@ -642,7 +642,7 @@
           <p:cNvPr id="4" name="日期占位符 3">
             <a:extLst>
               <a:ext uri="{FF2B5EF4-FFF2-40B4-BE49-F238E27FC236}">
-                <a16:creationId xmlns:a16="http://schemas.microsoft.com/office/drawing/2014/main" id="{79EEED03-8143-FE05-1F7A-3BB1169EF1B3}"/>
+                <a16:creationId xmlns:a16="http://schemas.microsoft.com/office/drawing/2014/main" id="{EC4D9082-9312-8205-C613-B4D9B4FDEF4D}"/>
               </a:ext>
             </a:extLst>
           </p:cNvPr>
@@ -658,7 +658,7 @@
           <a:bodyPr/>
           <a:lstStyle/>
           <a:p>
-            <a:fld id="{0EEE28B6-B7B5-48FB-9E33-03D27B7BA896}" type="datetimeFigureOut">
+            <a:fld id="{7260D9C0-2376-4BF6-A18D-C4DF7F14316E}" type="datetimeFigureOut">
               <a:rPr lang="zh-CN" altLang="en-US" smtClean="0"/>
               <a:t>2024/3/10</a:t>
             </a:fld>
@@ -671,7 +671,7 @@
           <p:cNvPr id="5" name="页脚占位符 4">
             <a:extLst>
               <a:ext uri="{FF2B5EF4-FFF2-40B4-BE49-F238E27FC236}">
-                <a16:creationId xmlns:a16="http://schemas.microsoft.com/office/drawing/2014/main" id="{57C7A1FE-6C07-1A7A-E932-864625E37ED5}"/>
+                <a16:creationId xmlns:a16="http://schemas.microsoft.com/office/drawing/2014/main" id="{BBC517D7-E826-638F-2614-7351AD76B3C0}"/>
               </a:ext>
             </a:extLst>
           </p:cNvPr>
@@ -696,7 +696,7 @@
           <p:cNvPr id="6" name="灯片编号占位符 5">
             <a:extLst>
               <a:ext uri="{FF2B5EF4-FFF2-40B4-BE49-F238E27FC236}">
-                <a16:creationId xmlns:a16="http://schemas.microsoft.com/office/drawing/2014/main" id="{B7C8D088-CE9D-7356-0D05-424EE54DC799}"/>
+                <a16:creationId xmlns:a16="http://schemas.microsoft.com/office/drawing/2014/main" id="{C89AC776-7B7E-976F-F86E-619C39B1FE33}"/>
               </a:ext>
             </a:extLst>
           </p:cNvPr>
@@ -712,7 +712,7 @@
           <a:bodyPr/>
           <a:lstStyle/>
           <a:p>
-            <a:fld id="{BE8E56B5-A44D-48CB-AA86-593AA8317A82}" type="slidenum">
+            <a:fld id="{9295AE5A-20C3-4C55-8DD8-3B852CA4AFAE}" type="slidenum">
               <a:rPr lang="zh-CN" altLang="en-US" smtClean="0"/>
               <a:t>‹#›</a:t>
             </a:fld>
@@ -723,7 +723,7 @@
     </p:spTree>
     <p:extLst>
       <p:ext uri="{BB962C8B-B14F-4D97-AF65-F5344CB8AC3E}">
-        <p14:creationId xmlns:p14="http://schemas.microsoft.com/office/powerpoint/2010/main" val="3826723332"/>
+        <p14:creationId xmlns:p14="http://schemas.microsoft.com/office/powerpoint/2010/main" val="1505670997"/>
       </p:ext>
     </p:extLst>
   </p:cSld>
@@ -755,7 +755,7 @@
           <p:cNvPr id="2" name="标题 1">
             <a:extLst>
               <a:ext uri="{FF2B5EF4-FFF2-40B4-BE49-F238E27FC236}">
-                <a16:creationId xmlns:a16="http://schemas.microsoft.com/office/drawing/2014/main" id="{AA43BE0F-48E3-AE6C-6FC6-1C0B1D54E9D0}"/>
+                <a16:creationId xmlns:a16="http://schemas.microsoft.com/office/drawing/2014/main" id="{6FB62BD9-EC34-BA83-7AFF-B1A53CBA4ECC}"/>
               </a:ext>
             </a:extLst>
           </p:cNvPr>
@@ -783,7 +783,7 @@
           <p:cNvPr id="3" name="内容占位符 2">
             <a:extLst>
               <a:ext uri="{FF2B5EF4-FFF2-40B4-BE49-F238E27FC236}">
-                <a16:creationId xmlns:a16="http://schemas.microsoft.com/office/drawing/2014/main" id="{3E838F88-E4B7-9169-A5F6-60B40E50E931}"/>
+                <a16:creationId xmlns:a16="http://schemas.microsoft.com/office/drawing/2014/main" id="{07E8B8B1-4A9C-5D88-E2A6-89A94AD472D8}"/>
               </a:ext>
             </a:extLst>
           </p:cNvPr>
@@ -840,7 +840,7 @@
           <p:cNvPr id="4" name="日期占位符 3">
             <a:extLst>
               <a:ext uri="{FF2B5EF4-FFF2-40B4-BE49-F238E27FC236}">
-                <a16:creationId xmlns:a16="http://schemas.microsoft.com/office/drawing/2014/main" id="{0547069B-C65E-C0CF-C0D4-9E382E2E5305}"/>
+                <a16:creationId xmlns:a16="http://schemas.microsoft.com/office/drawing/2014/main" id="{BB86CBB3-6E12-4462-20B8-7DD8D7DC8BD4}"/>
               </a:ext>
             </a:extLst>
           </p:cNvPr>
@@ -856,7 +856,7 @@
           <a:bodyPr/>
           <a:lstStyle/>
           <a:p>
-            <a:fld id="{0EEE28B6-B7B5-48FB-9E33-03D27B7BA896}" type="datetimeFigureOut">
+            <a:fld id="{7260D9C0-2376-4BF6-A18D-C4DF7F14316E}" type="datetimeFigureOut">
               <a:rPr lang="zh-CN" altLang="en-US" smtClean="0"/>
               <a:t>2024/3/10</a:t>
             </a:fld>
@@ -869,7 +869,7 @@
           <p:cNvPr id="5" name="页脚占位符 4">
             <a:extLst>
               <a:ext uri="{FF2B5EF4-FFF2-40B4-BE49-F238E27FC236}">
-                <a16:creationId xmlns:a16="http://schemas.microsoft.com/office/drawing/2014/main" id="{08F24C76-3312-E2E6-B46B-8FE37CF43D21}"/>
+                <a16:creationId xmlns:a16="http://schemas.microsoft.com/office/drawing/2014/main" id="{57E9B709-51F6-5A5A-D1E9-1F48E8CC3CC1}"/>
               </a:ext>
             </a:extLst>
           </p:cNvPr>
@@ -894,7 +894,7 @@
           <p:cNvPr id="6" name="灯片编号占位符 5">
             <a:extLst>
               <a:ext uri="{FF2B5EF4-FFF2-40B4-BE49-F238E27FC236}">
-                <a16:creationId xmlns:a16="http://schemas.microsoft.com/office/drawing/2014/main" id="{FA3620D0-52D3-C4DD-C8BE-A7C42B599565}"/>
+                <a16:creationId xmlns:a16="http://schemas.microsoft.com/office/drawing/2014/main" id="{10FA47C6-0247-FDF3-07B5-EA98A5C594CA}"/>
               </a:ext>
             </a:extLst>
           </p:cNvPr>
@@ -910,7 +910,7 @@
           <a:bodyPr/>
           <a:lstStyle/>
           <a:p>
-            <a:fld id="{BE8E56B5-A44D-48CB-AA86-593AA8317A82}" type="slidenum">
+            <a:fld id="{9295AE5A-20C3-4C55-8DD8-3B852CA4AFAE}" type="slidenum">
               <a:rPr lang="zh-CN" altLang="en-US" smtClean="0"/>
               <a:t>‹#›</a:t>
             </a:fld>
@@ -921,7 +921,7 @@
     </p:spTree>
     <p:extLst>
       <p:ext uri="{BB962C8B-B14F-4D97-AF65-F5344CB8AC3E}">
-        <p14:creationId xmlns:p14="http://schemas.microsoft.com/office/powerpoint/2010/main" val="549283351"/>
+        <p14:creationId xmlns:p14="http://schemas.microsoft.com/office/powerpoint/2010/main" val="502259481"/>
       </p:ext>
     </p:extLst>
   </p:cSld>
@@ -953,7 +953,7 @@
           <p:cNvPr id="2" name="标题 1">
             <a:extLst>
               <a:ext uri="{FF2B5EF4-FFF2-40B4-BE49-F238E27FC236}">
-                <a16:creationId xmlns:a16="http://schemas.microsoft.com/office/drawing/2014/main" id="{04CE4511-9FBE-5CBF-2924-5D84326AF49A}"/>
+                <a16:creationId xmlns:a16="http://schemas.microsoft.com/office/drawing/2014/main" id="{788BDE2F-7378-B0AC-F805-F2E241B3DF23}"/>
               </a:ext>
             </a:extLst>
           </p:cNvPr>
@@ -990,7 +990,7 @@
           <p:cNvPr id="3" name="文本占位符 2">
             <a:extLst>
               <a:ext uri="{FF2B5EF4-FFF2-40B4-BE49-F238E27FC236}">
-                <a16:creationId xmlns:a16="http://schemas.microsoft.com/office/drawing/2014/main" id="{D79251D7-4597-2B4A-4A73-BB10F135ED5C}"/>
+                <a16:creationId xmlns:a16="http://schemas.microsoft.com/office/drawing/2014/main" id="{C41B97EB-E625-2902-44B4-1606F532C6BA}"/>
               </a:ext>
             </a:extLst>
           </p:cNvPr>
@@ -1115,7 +1115,7 @@
           <p:cNvPr id="4" name="日期占位符 3">
             <a:extLst>
               <a:ext uri="{FF2B5EF4-FFF2-40B4-BE49-F238E27FC236}">
-                <a16:creationId xmlns:a16="http://schemas.microsoft.com/office/drawing/2014/main" id="{D534598D-0B84-393F-B218-9059DC5EDDC3}"/>
+                <a16:creationId xmlns:a16="http://schemas.microsoft.com/office/drawing/2014/main" id="{C478EC0F-A6EC-B40F-2674-D8910A879669}"/>
               </a:ext>
             </a:extLst>
           </p:cNvPr>
@@ -1131,7 +1131,7 @@
           <a:bodyPr/>
           <a:lstStyle/>
           <a:p>
-            <a:fld id="{0EEE28B6-B7B5-48FB-9E33-03D27B7BA896}" type="datetimeFigureOut">
+            <a:fld id="{7260D9C0-2376-4BF6-A18D-C4DF7F14316E}" type="datetimeFigureOut">
               <a:rPr lang="zh-CN" altLang="en-US" smtClean="0"/>
               <a:t>2024/3/10</a:t>
             </a:fld>
@@ -1144,7 +1144,7 @@
           <p:cNvPr id="5" name="页脚占位符 4">
             <a:extLst>
               <a:ext uri="{FF2B5EF4-FFF2-40B4-BE49-F238E27FC236}">
-                <a16:creationId xmlns:a16="http://schemas.microsoft.com/office/drawing/2014/main" id="{D84A12A8-A690-8065-6574-E3E4B75091BF}"/>
+                <a16:creationId xmlns:a16="http://schemas.microsoft.com/office/drawing/2014/main" id="{41B318AE-9D57-9329-2018-0A6EC5DA9FCD}"/>
               </a:ext>
             </a:extLst>
           </p:cNvPr>
@@ -1169,7 +1169,7 @@
           <p:cNvPr id="6" name="灯片编号占位符 5">
             <a:extLst>
               <a:ext uri="{FF2B5EF4-FFF2-40B4-BE49-F238E27FC236}">
-                <a16:creationId xmlns:a16="http://schemas.microsoft.com/office/drawing/2014/main" id="{99A1D68A-8D2F-43A4-57D4-020F61D2ED72}"/>
+                <a16:creationId xmlns:a16="http://schemas.microsoft.com/office/drawing/2014/main" id="{3A81E77E-DFF4-ECCF-CC56-DC112E208F43}"/>
               </a:ext>
             </a:extLst>
           </p:cNvPr>
@@ -1185,7 +1185,7 @@
           <a:bodyPr/>
           <a:lstStyle/>
           <a:p>
-            <a:fld id="{BE8E56B5-A44D-48CB-AA86-593AA8317A82}" type="slidenum">
+            <a:fld id="{9295AE5A-20C3-4C55-8DD8-3B852CA4AFAE}" type="slidenum">
               <a:rPr lang="zh-CN" altLang="en-US" smtClean="0"/>
               <a:t>‹#›</a:t>
             </a:fld>
@@ -1196,7 +1196,7 @@
     </p:spTree>
     <p:extLst>
       <p:ext uri="{BB962C8B-B14F-4D97-AF65-F5344CB8AC3E}">
-        <p14:creationId xmlns:p14="http://schemas.microsoft.com/office/powerpoint/2010/main" val="1371321584"/>
+        <p14:creationId xmlns:p14="http://schemas.microsoft.com/office/powerpoint/2010/main" val="523771591"/>
       </p:ext>
     </p:extLst>
   </p:cSld>
@@ -1228,7 +1228,7 @@
           <p:cNvPr id="2" name="标题 1">
             <a:extLst>
               <a:ext uri="{FF2B5EF4-FFF2-40B4-BE49-F238E27FC236}">
-                <a16:creationId xmlns:a16="http://schemas.microsoft.com/office/drawing/2014/main" id="{45345B3C-EAC9-4C12-618A-E81098B11C36}"/>
+                <a16:creationId xmlns:a16="http://schemas.microsoft.com/office/drawing/2014/main" id="{305778BF-556E-09B0-86A6-C7F44CF980A8}"/>
               </a:ext>
             </a:extLst>
           </p:cNvPr>
@@ -1256,7 +1256,7 @@
           <p:cNvPr id="3" name="内容占位符 2">
             <a:extLst>
               <a:ext uri="{FF2B5EF4-FFF2-40B4-BE49-F238E27FC236}">
-                <a16:creationId xmlns:a16="http://schemas.microsoft.com/office/drawing/2014/main" id="{32A47E05-C7D5-F4CE-C996-BF59FDA4071F}"/>
+                <a16:creationId xmlns:a16="http://schemas.microsoft.com/office/drawing/2014/main" id="{FF25E9BD-33E4-709F-E726-E62EE2C2AE76}"/>
               </a:ext>
             </a:extLst>
           </p:cNvPr>
@@ -1318,7 +1318,7 @@
           <p:cNvPr id="4" name="内容占位符 3">
             <a:extLst>
               <a:ext uri="{FF2B5EF4-FFF2-40B4-BE49-F238E27FC236}">
-                <a16:creationId xmlns:a16="http://schemas.microsoft.com/office/drawing/2014/main" id="{ACA20FBA-B71F-A7D3-DD53-CB1455DCE9C7}"/>
+                <a16:creationId xmlns:a16="http://schemas.microsoft.com/office/drawing/2014/main" id="{69BAB53F-794E-0FE6-5AB7-DA66DB890A34}"/>
               </a:ext>
             </a:extLst>
           </p:cNvPr>
@@ -1380,7 +1380,7 @@
           <p:cNvPr id="5" name="日期占位符 4">
             <a:extLst>
               <a:ext uri="{FF2B5EF4-FFF2-40B4-BE49-F238E27FC236}">
-                <a16:creationId xmlns:a16="http://schemas.microsoft.com/office/drawing/2014/main" id="{22887891-A7C6-295B-0CC3-977473136596}"/>
+                <a16:creationId xmlns:a16="http://schemas.microsoft.com/office/drawing/2014/main" id="{DDE54BA4-94C3-33D3-FBB9-070B99FCEA52}"/>
               </a:ext>
             </a:extLst>
           </p:cNvPr>
@@ -1396,7 +1396,7 @@
           <a:bodyPr/>
           <a:lstStyle/>
           <a:p>
-            <a:fld id="{0EEE28B6-B7B5-48FB-9E33-03D27B7BA896}" type="datetimeFigureOut">
+            <a:fld id="{7260D9C0-2376-4BF6-A18D-C4DF7F14316E}" type="datetimeFigureOut">
               <a:rPr lang="zh-CN" altLang="en-US" smtClean="0"/>
               <a:t>2024/3/10</a:t>
             </a:fld>
@@ -1409,7 +1409,7 @@
           <p:cNvPr id="6" name="页脚占位符 5">
             <a:extLst>
               <a:ext uri="{FF2B5EF4-FFF2-40B4-BE49-F238E27FC236}">
-                <a16:creationId xmlns:a16="http://schemas.microsoft.com/office/drawing/2014/main" id="{ADEBFCF8-B57F-F282-89A8-36B61534F791}"/>
+                <a16:creationId xmlns:a16="http://schemas.microsoft.com/office/drawing/2014/main" id="{7B766AC7-3300-1EBC-947E-27F767009F45}"/>
               </a:ext>
             </a:extLst>
           </p:cNvPr>
@@ -1434,7 +1434,7 @@
           <p:cNvPr id="7" name="灯片编号占位符 6">
             <a:extLst>
               <a:ext uri="{FF2B5EF4-FFF2-40B4-BE49-F238E27FC236}">
-                <a16:creationId xmlns:a16="http://schemas.microsoft.com/office/drawing/2014/main" id="{1F076F75-A656-C0B3-B201-8E671627D85F}"/>
+                <a16:creationId xmlns:a16="http://schemas.microsoft.com/office/drawing/2014/main" id="{8B870F96-7A25-5689-70B9-52D5C713C6A8}"/>
               </a:ext>
             </a:extLst>
           </p:cNvPr>
@@ -1450,7 +1450,7 @@
           <a:bodyPr/>
           <a:lstStyle/>
           <a:p>
-            <a:fld id="{BE8E56B5-A44D-48CB-AA86-593AA8317A82}" type="slidenum">
+            <a:fld id="{9295AE5A-20C3-4C55-8DD8-3B852CA4AFAE}" type="slidenum">
               <a:rPr lang="zh-CN" altLang="en-US" smtClean="0"/>
               <a:t>‹#›</a:t>
             </a:fld>
@@ -1461,7 +1461,7 @@
     </p:spTree>
     <p:extLst>
       <p:ext uri="{BB962C8B-B14F-4D97-AF65-F5344CB8AC3E}">
-        <p14:creationId xmlns:p14="http://schemas.microsoft.com/office/powerpoint/2010/main" val="3881144539"/>
+        <p14:creationId xmlns:p14="http://schemas.microsoft.com/office/powerpoint/2010/main" val="2717374306"/>
       </p:ext>
     </p:extLst>
   </p:cSld>
@@ -1493,7 +1493,7 @@
           <p:cNvPr id="2" name="标题 1">
             <a:extLst>
               <a:ext uri="{FF2B5EF4-FFF2-40B4-BE49-F238E27FC236}">
-                <a16:creationId xmlns:a16="http://schemas.microsoft.com/office/drawing/2014/main" id="{D6504E7C-A1AB-A9B4-BEA7-4CE7449941D8}"/>
+                <a16:creationId xmlns:a16="http://schemas.microsoft.com/office/drawing/2014/main" id="{B84BC0A2-62C4-DC96-A5C1-CCC7A76A5A96}"/>
               </a:ext>
             </a:extLst>
           </p:cNvPr>
@@ -1526,7 +1526,7 @@
           <p:cNvPr id="3" name="文本占位符 2">
             <a:extLst>
               <a:ext uri="{FF2B5EF4-FFF2-40B4-BE49-F238E27FC236}">
-                <a16:creationId xmlns:a16="http://schemas.microsoft.com/office/drawing/2014/main" id="{9F1FCBA3-FEB0-CB97-09B0-E6C38AEEC060}"/>
+                <a16:creationId xmlns:a16="http://schemas.microsoft.com/office/drawing/2014/main" id="{AB613C0A-AF34-C00E-DC69-FF5FC20E0DCE}"/>
               </a:ext>
             </a:extLst>
           </p:cNvPr>
@@ -1597,7 +1597,7 @@
           <p:cNvPr id="4" name="内容占位符 3">
             <a:extLst>
               <a:ext uri="{FF2B5EF4-FFF2-40B4-BE49-F238E27FC236}">
-                <a16:creationId xmlns:a16="http://schemas.microsoft.com/office/drawing/2014/main" id="{B6272F2C-BCC6-7C1E-DC6F-7082A3D27DFC}"/>
+                <a16:creationId xmlns:a16="http://schemas.microsoft.com/office/drawing/2014/main" id="{B3D22DB7-ED32-2888-BD2D-1ACCC5AF2848}"/>
               </a:ext>
             </a:extLst>
           </p:cNvPr>
@@ -1659,7 +1659,7 @@
           <p:cNvPr id="5" name="文本占位符 4">
             <a:extLst>
               <a:ext uri="{FF2B5EF4-FFF2-40B4-BE49-F238E27FC236}">
-                <a16:creationId xmlns:a16="http://schemas.microsoft.com/office/drawing/2014/main" id="{6F7E8A8B-8C17-5D50-C3CC-3B951691B1BD}"/>
+                <a16:creationId xmlns:a16="http://schemas.microsoft.com/office/drawing/2014/main" id="{B01E966D-2A17-F3FB-45B0-B192586CB581}"/>
               </a:ext>
             </a:extLst>
           </p:cNvPr>
@@ -1730,7 +1730,7 @@
           <p:cNvPr id="6" name="内容占位符 5">
             <a:extLst>
               <a:ext uri="{FF2B5EF4-FFF2-40B4-BE49-F238E27FC236}">
-                <a16:creationId xmlns:a16="http://schemas.microsoft.com/office/drawing/2014/main" id="{3F039DEA-4960-F929-990A-ABF0F125DDD5}"/>
+                <a16:creationId xmlns:a16="http://schemas.microsoft.com/office/drawing/2014/main" id="{9DE39266-6067-7766-0470-1DD2F1EA066F}"/>
               </a:ext>
             </a:extLst>
           </p:cNvPr>
@@ -1792,7 +1792,7 @@
           <p:cNvPr id="7" name="日期占位符 6">
             <a:extLst>
               <a:ext uri="{FF2B5EF4-FFF2-40B4-BE49-F238E27FC236}">
-                <a16:creationId xmlns:a16="http://schemas.microsoft.com/office/drawing/2014/main" id="{B81EA336-C1EA-B192-0AEE-E8FBDFC70349}"/>
+                <a16:creationId xmlns:a16="http://schemas.microsoft.com/office/drawing/2014/main" id="{A498FA20-FF1F-11C5-3042-0C5DB7504B82}"/>
               </a:ext>
             </a:extLst>
           </p:cNvPr>
@@ -1808,7 +1808,7 @@
           <a:bodyPr/>
           <a:lstStyle/>
           <a:p>
-            <a:fld id="{0EEE28B6-B7B5-48FB-9E33-03D27B7BA896}" type="datetimeFigureOut">
+            <a:fld id="{7260D9C0-2376-4BF6-A18D-C4DF7F14316E}" type="datetimeFigureOut">
               <a:rPr lang="zh-CN" altLang="en-US" smtClean="0"/>
               <a:t>2024/3/10</a:t>
             </a:fld>
@@ -1821,7 +1821,7 @@
           <p:cNvPr id="8" name="页脚占位符 7">
             <a:extLst>
               <a:ext uri="{FF2B5EF4-FFF2-40B4-BE49-F238E27FC236}">
-                <a16:creationId xmlns:a16="http://schemas.microsoft.com/office/drawing/2014/main" id="{95ABC535-C1EC-8929-1A40-F01FAA90EEA6}"/>
+                <a16:creationId xmlns:a16="http://schemas.microsoft.com/office/drawing/2014/main" id="{B6E7BD79-C1E3-72EA-5F1F-2C699D27AA21}"/>
               </a:ext>
             </a:extLst>
           </p:cNvPr>
@@ -1846,7 +1846,7 @@
           <p:cNvPr id="9" name="灯片编号占位符 8">
             <a:extLst>
               <a:ext uri="{FF2B5EF4-FFF2-40B4-BE49-F238E27FC236}">
-                <a16:creationId xmlns:a16="http://schemas.microsoft.com/office/drawing/2014/main" id="{364E61FB-9C0C-3573-7BC2-F20FE689E933}"/>
+                <a16:creationId xmlns:a16="http://schemas.microsoft.com/office/drawing/2014/main" id="{F198BA74-D08F-8F7B-7A3A-2C242C145723}"/>
               </a:ext>
             </a:extLst>
           </p:cNvPr>
@@ -1862,7 +1862,7 @@
           <a:bodyPr/>
           <a:lstStyle/>
           <a:p>
-            <a:fld id="{BE8E56B5-A44D-48CB-AA86-593AA8317A82}" type="slidenum">
+            <a:fld id="{9295AE5A-20C3-4C55-8DD8-3B852CA4AFAE}" type="slidenum">
               <a:rPr lang="zh-CN" altLang="en-US" smtClean="0"/>
               <a:t>‹#›</a:t>
             </a:fld>
@@ -1873,7 +1873,7 @@
     </p:spTree>
     <p:extLst>
       <p:ext uri="{BB962C8B-B14F-4D97-AF65-F5344CB8AC3E}">
-        <p14:creationId xmlns:p14="http://schemas.microsoft.com/office/powerpoint/2010/main" val="522207247"/>
+        <p14:creationId xmlns:p14="http://schemas.microsoft.com/office/powerpoint/2010/main" val="4195343917"/>
       </p:ext>
     </p:extLst>
   </p:cSld>
@@ -1905,7 +1905,7 @@
           <p:cNvPr id="2" name="标题 1">
             <a:extLst>
               <a:ext uri="{FF2B5EF4-FFF2-40B4-BE49-F238E27FC236}">
-                <a16:creationId xmlns:a16="http://schemas.microsoft.com/office/drawing/2014/main" id="{5EFB5066-3B61-C6A8-53EB-4B343303CAF9}"/>
+                <a16:creationId xmlns:a16="http://schemas.microsoft.com/office/drawing/2014/main" id="{BDDF3F66-05BD-A4C4-0054-C5747A21F94D}"/>
               </a:ext>
             </a:extLst>
           </p:cNvPr>
@@ -1933,7 +1933,7 @@
           <p:cNvPr id="3" name="日期占位符 2">
             <a:extLst>
               <a:ext uri="{FF2B5EF4-FFF2-40B4-BE49-F238E27FC236}">
-                <a16:creationId xmlns:a16="http://schemas.microsoft.com/office/drawing/2014/main" id="{8EBE06A9-18F3-6510-AB42-C3B47C2823AD}"/>
+                <a16:creationId xmlns:a16="http://schemas.microsoft.com/office/drawing/2014/main" id="{1B675D34-2B12-9B53-60F5-E413E44AB1DA}"/>
               </a:ext>
             </a:extLst>
           </p:cNvPr>
@@ -1949,7 +1949,7 @@
           <a:bodyPr/>
           <a:lstStyle/>
           <a:p>
-            <a:fld id="{0EEE28B6-B7B5-48FB-9E33-03D27B7BA896}" type="datetimeFigureOut">
+            <a:fld id="{7260D9C0-2376-4BF6-A18D-C4DF7F14316E}" type="datetimeFigureOut">
               <a:rPr lang="zh-CN" altLang="en-US" smtClean="0"/>
               <a:t>2024/3/10</a:t>
             </a:fld>
@@ -1962,7 +1962,7 @@
           <p:cNvPr id="4" name="页脚占位符 3">
             <a:extLst>
               <a:ext uri="{FF2B5EF4-FFF2-40B4-BE49-F238E27FC236}">
-                <a16:creationId xmlns:a16="http://schemas.microsoft.com/office/drawing/2014/main" id="{81336393-54A6-32FD-5B8B-69A02193DDD1}"/>
+                <a16:creationId xmlns:a16="http://schemas.microsoft.com/office/drawing/2014/main" id="{09D41F92-8DE6-CCFD-CF28-70CEA921B413}"/>
               </a:ext>
             </a:extLst>
           </p:cNvPr>
@@ -1987,7 +1987,7 @@
           <p:cNvPr id="5" name="灯片编号占位符 4">
             <a:extLst>
               <a:ext uri="{FF2B5EF4-FFF2-40B4-BE49-F238E27FC236}">
-                <a16:creationId xmlns:a16="http://schemas.microsoft.com/office/drawing/2014/main" id="{9A46C1A3-5FBE-A5F2-5F9C-986D2F265073}"/>
+                <a16:creationId xmlns:a16="http://schemas.microsoft.com/office/drawing/2014/main" id="{FA38C3FC-06AD-AA74-84CB-CBE659E32148}"/>
               </a:ext>
             </a:extLst>
           </p:cNvPr>
@@ -2003,7 +2003,7 @@
           <a:bodyPr/>
           <a:lstStyle/>
           <a:p>
-            <a:fld id="{BE8E56B5-A44D-48CB-AA86-593AA8317A82}" type="slidenum">
+            <a:fld id="{9295AE5A-20C3-4C55-8DD8-3B852CA4AFAE}" type="slidenum">
               <a:rPr lang="zh-CN" altLang="en-US" smtClean="0"/>
               <a:t>‹#›</a:t>
             </a:fld>
@@ -2014,7 +2014,7 @@
     </p:spTree>
     <p:extLst>
       <p:ext uri="{BB962C8B-B14F-4D97-AF65-F5344CB8AC3E}">
-        <p14:creationId xmlns:p14="http://schemas.microsoft.com/office/powerpoint/2010/main" val="2541543416"/>
+        <p14:creationId xmlns:p14="http://schemas.microsoft.com/office/powerpoint/2010/main" val="77593429"/>
       </p:ext>
     </p:extLst>
   </p:cSld>
@@ -2046,7 +2046,7 @@
           <p:cNvPr id="2" name="日期占位符 1">
             <a:extLst>
               <a:ext uri="{FF2B5EF4-FFF2-40B4-BE49-F238E27FC236}">
-                <a16:creationId xmlns:a16="http://schemas.microsoft.com/office/drawing/2014/main" id="{D4967CFC-6774-FEE6-C878-32BBF9785F9F}"/>
+                <a16:creationId xmlns:a16="http://schemas.microsoft.com/office/drawing/2014/main" id="{BB717FFF-AE0F-0E56-19BC-A94448CF8F09}"/>
               </a:ext>
             </a:extLst>
           </p:cNvPr>
@@ -2062,7 +2062,7 @@
           <a:bodyPr/>
           <a:lstStyle/>
           <a:p>
-            <a:fld id="{0EEE28B6-B7B5-48FB-9E33-03D27B7BA896}" type="datetimeFigureOut">
+            <a:fld id="{7260D9C0-2376-4BF6-A18D-C4DF7F14316E}" type="datetimeFigureOut">
               <a:rPr lang="zh-CN" altLang="en-US" smtClean="0"/>
               <a:t>2024/3/10</a:t>
             </a:fld>
@@ -2075,7 +2075,7 @@
           <p:cNvPr id="3" name="页脚占位符 2">
             <a:extLst>
               <a:ext uri="{FF2B5EF4-FFF2-40B4-BE49-F238E27FC236}">
-                <a16:creationId xmlns:a16="http://schemas.microsoft.com/office/drawing/2014/main" id="{33A661EA-F218-E4BF-C6F6-67A73E5CBB81}"/>
+                <a16:creationId xmlns:a16="http://schemas.microsoft.com/office/drawing/2014/main" id="{27E11DCC-B4A3-5987-695B-C51A0DB3A869}"/>
               </a:ext>
             </a:extLst>
           </p:cNvPr>
@@ -2100,7 +2100,7 @@
           <p:cNvPr id="4" name="灯片编号占位符 3">
             <a:extLst>
               <a:ext uri="{FF2B5EF4-FFF2-40B4-BE49-F238E27FC236}">
-                <a16:creationId xmlns:a16="http://schemas.microsoft.com/office/drawing/2014/main" id="{60876D4C-E83F-5387-420A-929B8E5E50D9}"/>
+                <a16:creationId xmlns:a16="http://schemas.microsoft.com/office/drawing/2014/main" id="{128AEEE2-1E9E-D80B-D877-D0F70DC00B0A}"/>
               </a:ext>
             </a:extLst>
           </p:cNvPr>
@@ -2116,7 +2116,7 @@
           <a:bodyPr/>
           <a:lstStyle/>
           <a:p>
-            <a:fld id="{BE8E56B5-A44D-48CB-AA86-593AA8317A82}" type="slidenum">
+            <a:fld id="{9295AE5A-20C3-4C55-8DD8-3B852CA4AFAE}" type="slidenum">
               <a:rPr lang="zh-CN" altLang="en-US" smtClean="0"/>
               <a:t>‹#›</a:t>
             </a:fld>
@@ -2127,7 +2127,7 @@
     </p:spTree>
     <p:extLst>
       <p:ext uri="{BB962C8B-B14F-4D97-AF65-F5344CB8AC3E}">
-        <p14:creationId xmlns:p14="http://schemas.microsoft.com/office/powerpoint/2010/main" val="2093683117"/>
+        <p14:creationId xmlns:p14="http://schemas.microsoft.com/office/powerpoint/2010/main" val="3692248142"/>
       </p:ext>
     </p:extLst>
   </p:cSld>
@@ -2159,7 +2159,7 @@
           <p:cNvPr id="2" name="标题 1">
             <a:extLst>
               <a:ext uri="{FF2B5EF4-FFF2-40B4-BE49-F238E27FC236}">
-                <a16:creationId xmlns:a16="http://schemas.microsoft.com/office/drawing/2014/main" id="{C0478040-36A3-CE92-1971-C3906006164B}"/>
+                <a16:creationId xmlns:a16="http://schemas.microsoft.com/office/drawing/2014/main" id="{17F3C55D-7E6E-B498-D54E-39DC13346071}"/>
               </a:ext>
             </a:extLst>
           </p:cNvPr>
@@ -2196,7 +2196,7 @@
           <p:cNvPr id="3" name="内容占位符 2">
             <a:extLst>
               <a:ext uri="{FF2B5EF4-FFF2-40B4-BE49-F238E27FC236}">
-                <a16:creationId xmlns:a16="http://schemas.microsoft.com/office/drawing/2014/main" id="{5DBCCE53-0EDA-06EF-4D50-7804961AAB50}"/>
+                <a16:creationId xmlns:a16="http://schemas.microsoft.com/office/drawing/2014/main" id="{F8A75530-CDC4-8842-1A16-25C8B787CE18}"/>
               </a:ext>
             </a:extLst>
           </p:cNvPr>
@@ -2286,7 +2286,7 @@
           <p:cNvPr id="4" name="文本占位符 3">
             <a:extLst>
               <a:ext uri="{FF2B5EF4-FFF2-40B4-BE49-F238E27FC236}">
-                <a16:creationId xmlns:a16="http://schemas.microsoft.com/office/drawing/2014/main" id="{BF9A382A-6EDF-237B-DE1F-52500A1E36E0}"/>
+                <a16:creationId xmlns:a16="http://schemas.microsoft.com/office/drawing/2014/main" id="{206DDA0F-D9AA-C87F-F847-55A0EAD73440}"/>
               </a:ext>
             </a:extLst>
           </p:cNvPr>
@@ -2357,7 +2357,7 @@
           <p:cNvPr id="5" name="日期占位符 4">
             <a:extLst>
               <a:ext uri="{FF2B5EF4-FFF2-40B4-BE49-F238E27FC236}">
-                <a16:creationId xmlns:a16="http://schemas.microsoft.com/office/drawing/2014/main" id="{8CE499A9-2B4C-8B40-9DE7-2937C18F3EDC}"/>
+                <a16:creationId xmlns:a16="http://schemas.microsoft.com/office/drawing/2014/main" id="{2F0EE625-3891-BB93-147C-E920B171F575}"/>
               </a:ext>
             </a:extLst>
           </p:cNvPr>
@@ -2373,7 +2373,7 @@
           <a:bodyPr/>
           <a:lstStyle/>
           <a:p>
-            <a:fld id="{0EEE28B6-B7B5-48FB-9E33-03D27B7BA896}" type="datetimeFigureOut">
+            <a:fld id="{7260D9C0-2376-4BF6-A18D-C4DF7F14316E}" type="datetimeFigureOut">
               <a:rPr lang="zh-CN" altLang="en-US" smtClean="0"/>
               <a:t>2024/3/10</a:t>
             </a:fld>
@@ -2386,7 +2386,7 @@
           <p:cNvPr id="6" name="页脚占位符 5">
             <a:extLst>
               <a:ext uri="{FF2B5EF4-FFF2-40B4-BE49-F238E27FC236}">
-                <a16:creationId xmlns:a16="http://schemas.microsoft.com/office/drawing/2014/main" id="{47DD508D-789C-A42E-873A-237C5AC73B34}"/>
+                <a16:creationId xmlns:a16="http://schemas.microsoft.com/office/drawing/2014/main" id="{E1B42BE3-6E16-6F62-7315-B76CF47F5937}"/>
               </a:ext>
             </a:extLst>
           </p:cNvPr>
@@ -2411,7 +2411,7 @@
           <p:cNvPr id="7" name="灯片编号占位符 6">
             <a:extLst>
               <a:ext uri="{FF2B5EF4-FFF2-40B4-BE49-F238E27FC236}">
-                <a16:creationId xmlns:a16="http://schemas.microsoft.com/office/drawing/2014/main" id="{9850E56F-EB8B-155B-1D0A-0B7447CB19DB}"/>
+                <a16:creationId xmlns:a16="http://schemas.microsoft.com/office/drawing/2014/main" id="{C97D1BB8-689E-E015-1C2C-BA7ADE70A96B}"/>
               </a:ext>
             </a:extLst>
           </p:cNvPr>
@@ -2427,7 +2427,7 @@
           <a:bodyPr/>
           <a:lstStyle/>
           <a:p>
-            <a:fld id="{BE8E56B5-A44D-48CB-AA86-593AA8317A82}" type="slidenum">
+            <a:fld id="{9295AE5A-20C3-4C55-8DD8-3B852CA4AFAE}" type="slidenum">
               <a:rPr lang="zh-CN" altLang="en-US" smtClean="0"/>
               <a:t>‹#›</a:t>
             </a:fld>
@@ -2438,7 +2438,7 @@
     </p:spTree>
     <p:extLst>
       <p:ext uri="{BB962C8B-B14F-4D97-AF65-F5344CB8AC3E}">
-        <p14:creationId xmlns:p14="http://schemas.microsoft.com/office/powerpoint/2010/main" val="538018208"/>
+        <p14:creationId xmlns:p14="http://schemas.microsoft.com/office/powerpoint/2010/main" val="2855050865"/>
       </p:ext>
     </p:extLst>
   </p:cSld>
@@ -2470,7 +2470,7 @@
           <p:cNvPr id="2" name="标题 1">
             <a:extLst>
               <a:ext uri="{FF2B5EF4-FFF2-40B4-BE49-F238E27FC236}">
-                <a16:creationId xmlns:a16="http://schemas.microsoft.com/office/drawing/2014/main" id="{E817A465-AF88-1ACD-921B-FC48358AED1D}"/>
+                <a16:creationId xmlns:a16="http://schemas.microsoft.com/office/drawing/2014/main" id="{4169BF72-BDD3-5F81-1B4A-EC04FC348E6A}"/>
               </a:ext>
             </a:extLst>
           </p:cNvPr>
@@ -2507,7 +2507,7 @@
           <p:cNvPr id="3" name="图片占位符 2">
             <a:extLst>
               <a:ext uri="{FF2B5EF4-FFF2-40B4-BE49-F238E27FC236}">
-                <a16:creationId xmlns:a16="http://schemas.microsoft.com/office/drawing/2014/main" id="{994F33F9-6103-DE69-BF00-D80BBEB458BF}"/>
+                <a16:creationId xmlns:a16="http://schemas.microsoft.com/office/drawing/2014/main" id="{5FC451EE-670C-17E0-5BE4-DD9E4DE4B50B}"/>
               </a:ext>
             </a:extLst>
           </p:cNvPr>
@@ -2574,7 +2574,7 @@
           <p:cNvPr id="4" name="文本占位符 3">
             <a:extLst>
               <a:ext uri="{FF2B5EF4-FFF2-40B4-BE49-F238E27FC236}">
-                <a16:creationId xmlns:a16="http://schemas.microsoft.com/office/drawing/2014/main" id="{AF04A18B-D9A1-9B11-0B8D-AFEC38D652F4}"/>
+                <a16:creationId xmlns:a16="http://schemas.microsoft.com/office/drawing/2014/main" id="{2E647E2E-1292-A7C8-B795-D008483C016C}"/>
               </a:ext>
             </a:extLst>
           </p:cNvPr>
@@ -2645,7 +2645,7 @@
           <p:cNvPr id="5" name="日期占位符 4">
             <a:extLst>
               <a:ext uri="{FF2B5EF4-FFF2-40B4-BE49-F238E27FC236}">
-                <a16:creationId xmlns:a16="http://schemas.microsoft.com/office/drawing/2014/main" id="{31D5253A-CDC4-4303-999F-384B2EE1FE05}"/>
+                <a16:creationId xmlns:a16="http://schemas.microsoft.com/office/drawing/2014/main" id="{38212505-3DE2-8493-017D-DB9684D09BED}"/>
               </a:ext>
             </a:extLst>
           </p:cNvPr>
@@ -2661,7 +2661,7 @@
           <a:bodyPr/>
           <a:lstStyle/>
           <a:p>
-            <a:fld id="{0EEE28B6-B7B5-48FB-9E33-03D27B7BA896}" type="datetimeFigureOut">
+            <a:fld id="{7260D9C0-2376-4BF6-A18D-C4DF7F14316E}" type="datetimeFigureOut">
               <a:rPr lang="zh-CN" altLang="en-US" smtClean="0"/>
               <a:t>2024/3/10</a:t>
             </a:fld>
@@ -2674,7 +2674,7 @@
           <p:cNvPr id="6" name="页脚占位符 5">
             <a:extLst>
               <a:ext uri="{FF2B5EF4-FFF2-40B4-BE49-F238E27FC236}">
-                <a16:creationId xmlns:a16="http://schemas.microsoft.com/office/drawing/2014/main" id="{241CE526-F029-F91A-13AC-0D934A5659AA}"/>
+                <a16:creationId xmlns:a16="http://schemas.microsoft.com/office/drawing/2014/main" id="{1C29A4AD-BE52-E2AE-F920-F3D0E85CAF11}"/>
               </a:ext>
             </a:extLst>
           </p:cNvPr>
@@ -2699,7 +2699,7 @@
           <p:cNvPr id="7" name="灯片编号占位符 6">
             <a:extLst>
               <a:ext uri="{FF2B5EF4-FFF2-40B4-BE49-F238E27FC236}">
-                <a16:creationId xmlns:a16="http://schemas.microsoft.com/office/drawing/2014/main" id="{5781680C-F74C-194F-9989-BC3867D0850E}"/>
+                <a16:creationId xmlns:a16="http://schemas.microsoft.com/office/drawing/2014/main" id="{C3AAAC67-74C8-80BE-A655-DC0CEC67D4AB}"/>
               </a:ext>
             </a:extLst>
           </p:cNvPr>
@@ -2715,7 +2715,7 @@
           <a:bodyPr/>
           <a:lstStyle/>
           <a:p>
-            <a:fld id="{BE8E56B5-A44D-48CB-AA86-593AA8317A82}" type="slidenum">
+            <a:fld id="{9295AE5A-20C3-4C55-8DD8-3B852CA4AFAE}" type="slidenum">
               <a:rPr lang="zh-CN" altLang="en-US" smtClean="0"/>
               <a:t>‹#›</a:t>
             </a:fld>
@@ -2726,7 +2726,7 @@
     </p:spTree>
     <p:extLst>
       <p:ext uri="{BB962C8B-B14F-4D97-AF65-F5344CB8AC3E}">
-        <p14:creationId xmlns:p14="http://schemas.microsoft.com/office/powerpoint/2010/main" val="3092114323"/>
+        <p14:creationId xmlns:p14="http://schemas.microsoft.com/office/powerpoint/2010/main" val="3259879473"/>
       </p:ext>
     </p:extLst>
   </p:cSld>
@@ -2763,7 +2763,7 @@
           <p:cNvPr id="2" name="标题占位符 1">
             <a:extLst>
               <a:ext uri="{FF2B5EF4-FFF2-40B4-BE49-F238E27FC236}">
-                <a16:creationId xmlns:a16="http://schemas.microsoft.com/office/drawing/2014/main" id="{2D4E7434-DB2B-DBB7-BAF9-32D0871798D5}"/>
+                <a16:creationId xmlns:a16="http://schemas.microsoft.com/office/drawing/2014/main" id="{17466027-7AA9-47DA-A09A-8B973EF3CF42}"/>
               </a:ext>
             </a:extLst>
           </p:cNvPr>
@@ -2801,7 +2801,7 @@
           <p:cNvPr id="3" name="文本占位符 2">
             <a:extLst>
               <a:ext uri="{FF2B5EF4-FFF2-40B4-BE49-F238E27FC236}">
-                <a16:creationId xmlns:a16="http://schemas.microsoft.com/office/drawing/2014/main" id="{F9C4222A-AEE6-036F-E58F-CFBD2F2FED78}"/>
+                <a16:creationId xmlns:a16="http://schemas.microsoft.com/office/drawing/2014/main" id="{1E7B9BE3-756D-6771-5103-DFB37FA23606}"/>
               </a:ext>
             </a:extLst>
           </p:cNvPr>
@@ -2868,7 +2868,7 @@
           <p:cNvPr id="4" name="日期占位符 3">
             <a:extLst>
               <a:ext uri="{FF2B5EF4-FFF2-40B4-BE49-F238E27FC236}">
-                <a16:creationId xmlns:a16="http://schemas.microsoft.com/office/drawing/2014/main" id="{B98CAA9A-C954-B46B-26DA-99BEB738B965}"/>
+                <a16:creationId xmlns:a16="http://schemas.microsoft.com/office/drawing/2014/main" id="{654B6DB0-3E8A-4069-0816-B5BB1CAD24BD}"/>
               </a:ext>
             </a:extLst>
           </p:cNvPr>
@@ -2902,7 +2902,7 @@
             </a:lvl1pPr>
           </a:lstStyle>
           <a:p>
-            <a:fld id="{0EEE28B6-B7B5-48FB-9E33-03D27B7BA896}" type="datetimeFigureOut">
+            <a:fld id="{7260D9C0-2376-4BF6-A18D-C4DF7F14316E}" type="datetimeFigureOut">
               <a:rPr lang="zh-CN" altLang="en-US" smtClean="0"/>
               <a:t>2024/3/10</a:t>
             </a:fld>
@@ -2915,7 +2915,7 @@
           <p:cNvPr id="5" name="页脚占位符 4">
             <a:extLst>
               <a:ext uri="{FF2B5EF4-FFF2-40B4-BE49-F238E27FC236}">
-                <a16:creationId xmlns:a16="http://schemas.microsoft.com/office/drawing/2014/main" id="{C500BBD1-BE21-BC96-EF61-ECA7F2FE6828}"/>
+                <a16:creationId xmlns:a16="http://schemas.microsoft.com/office/drawing/2014/main" id="{5AB7ECF3-0895-6D0A-F117-C78E8288D341}"/>
               </a:ext>
             </a:extLst>
           </p:cNvPr>
@@ -2958,7 +2958,7 @@
           <p:cNvPr id="6" name="灯片编号占位符 5">
             <a:extLst>
               <a:ext uri="{FF2B5EF4-FFF2-40B4-BE49-F238E27FC236}">
-                <a16:creationId xmlns:a16="http://schemas.microsoft.com/office/drawing/2014/main" id="{E4FF59FD-56CF-57F2-E4D3-3A7B869803DB}"/>
+                <a16:creationId xmlns:a16="http://schemas.microsoft.com/office/drawing/2014/main" id="{4645F4AF-46B9-3330-5540-1939A794F327}"/>
               </a:ext>
             </a:extLst>
           </p:cNvPr>
@@ -2992,7 +2992,7 @@
             </a:lvl1pPr>
           </a:lstStyle>
           <a:p>
-            <a:fld id="{BE8E56B5-A44D-48CB-AA86-593AA8317A82}" type="slidenum">
+            <a:fld id="{9295AE5A-20C3-4C55-8DD8-3B852CA4AFAE}" type="slidenum">
               <a:rPr lang="zh-CN" altLang="en-US" smtClean="0"/>
               <a:t>‹#›</a:t>
             </a:fld>
@@ -3003,7 +3003,7 @@
     </p:spTree>
     <p:extLst>
       <p:ext uri="{BB962C8B-B14F-4D97-AF65-F5344CB8AC3E}">
-        <p14:creationId xmlns:p14="http://schemas.microsoft.com/office/powerpoint/2010/main" val="1896021801"/>
+        <p14:creationId xmlns:p14="http://schemas.microsoft.com/office/powerpoint/2010/main" val="64681500"/>
       </p:ext>
     </p:extLst>
   </p:cSld>
